--- a/doc.pptx
+++ b/doc.pptx
@@ -5851,6 +5851,103 @@
           </a:p>
         </p:txBody>
       </p:sp>
+      <p:sp>
+        <p:nvSpPr>
+          <p:cNvPr id="73" name="Ellipse 72">
+            <a:extLst>
+              <a:ext uri="{FF2B5EF4-FFF2-40B4-BE49-F238E27FC236}">
+                <a16:creationId xmlns:a16="http://schemas.microsoft.com/office/drawing/2014/main" id="{E55F657B-2764-4E59-B1B7-B6CF621C81C1}"/>
+              </a:ext>
+            </a:extLst>
+          </p:cNvPr>
+          <p:cNvSpPr/>
+          <p:nvPr/>
+        </p:nvSpPr>
+        <p:spPr>
+          <a:xfrm>
+            <a:off x="2517820" y="3623323"/>
+            <a:ext cx="1307204" cy="708285"/>
+          </a:xfrm>
+          <a:prstGeom prst="ellipse">
+            <a:avLst/>
+          </a:prstGeom>
+          <a:noFill/>
+          <a:ln w="38100">
+            <a:solidFill>
+              <a:srgbClr val="FF0000"/>
+            </a:solidFill>
+          </a:ln>
+        </p:spPr>
+        <p:style>
+          <a:lnRef idx="2">
+            <a:schemeClr val="accent2">
+              <a:shade val="50000"/>
+            </a:schemeClr>
+          </a:lnRef>
+          <a:fillRef idx="1">
+            <a:schemeClr val="accent2"/>
+          </a:fillRef>
+          <a:effectRef idx="0">
+            <a:schemeClr val="accent2"/>
+          </a:effectRef>
+          <a:fontRef idx="minor">
+            <a:schemeClr val="lt1"/>
+          </a:fontRef>
+        </p:style>
+        <p:txBody>
+          <a:bodyPr rtlCol="0" anchor="ctr"/>
+          <a:lstStyle/>
+          <a:p>
+            <a:pPr algn="ctr"/>
+            <a:endParaRPr lang="de-DE"/>
+          </a:p>
+        </p:txBody>
+      </p:sp>
+      <p:cxnSp>
+        <p:nvCxnSpPr>
+          <p:cNvPr id="75" name="Verbinder: gewinkelt 74">
+            <a:extLst>
+              <a:ext uri="{FF2B5EF4-FFF2-40B4-BE49-F238E27FC236}">
+                <a16:creationId xmlns:a16="http://schemas.microsoft.com/office/drawing/2014/main" id="{0C107F51-A15F-4840-A5FA-9FDB9A8AC3D3}"/>
+              </a:ext>
+            </a:extLst>
+          </p:cNvPr>
+          <p:cNvCxnSpPr>
+            <a:cxnSpLocks/>
+            <a:stCxn id="73" idx="0"/>
+            <a:endCxn id="71" idx="0"/>
+          </p:cNvCxnSpPr>
+          <p:nvPr/>
+        </p:nvCxnSpPr>
+        <p:spPr>
+          <a:xfrm rot="5400000" flipH="1" flipV="1">
+            <a:off x="6319074" y="-249221"/>
+            <a:ext cx="724893" cy="7020196"/>
+          </a:xfrm>
+          <a:prstGeom prst="bentConnector3">
+            <a:avLst>
+              <a:gd name="adj1" fmla="val 131536"/>
+            </a:avLst>
+          </a:prstGeom>
+          <a:ln>
+            <a:tailEnd type="triangle"/>
+          </a:ln>
+        </p:spPr>
+        <p:style>
+          <a:lnRef idx="1">
+            <a:schemeClr val="accent1"/>
+          </a:lnRef>
+          <a:fillRef idx="0">
+            <a:schemeClr val="accent1"/>
+          </a:fillRef>
+          <a:effectRef idx="0">
+            <a:schemeClr val="accent1"/>
+          </a:effectRef>
+          <a:fontRef idx="minor">
+            <a:schemeClr val="tx1"/>
+          </a:fontRef>
+        </p:style>
+      </p:cxnSp>
     </p:spTree>
     <p:extLst>
       <p:ext uri="{BB962C8B-B14F-4D97-AF65-F5344CB8AC3E}">

--- a/doc.pptx
+++ b/doc.pptx
@@ -106,6 +106,11 @@
       </a:defRPr>
     </a:lvl9pPr>
   </p:defaultTextStyle>
+  <p:extLst>
+    <p:ext uri="{EFAFB233-063F-42B5-8137-9DF3F51BA10A}">
+      <p15:sldGuideLst xmlns:p15="http://schemas.microsoft.com/office/powerpoint/2012/main"/>
+    </p:ext>
+  </p:extLst>
 </p:presentation>
 </file>
 
@@ -256,7 +261,7 @@
           <a:p>
             <a:fld id="{B70DEA2B-DC4F-4165-BE5B-D107C12D0E7E}" type="datetimeFigureOut">
               <a:rPr lang="de-DE" smtClean="0"/>
-              <a:t>04.12.2022</a:t>
+              <a:t>06.12.2022</a:t>
             </a:fld>
             <a:endParaRPr lang="de-DE"/>
           </a:p>
@@ -454,7 +459,7 @@
           <a:p>
             <a:fld id="{B70DEA2B-DC4F-4165-BE5B-D107C12D0E7E}" type="datetimeFigureOut">
               <a:rPr lang="de-DE" smtClean="0"/>
-              <a:t>04.12.2022</a:t>
+              <a:t>06.12.2022</a:t>
             </a:fld>
             <a:endParaRPr lang="de-DE"/>
           </a:p>
@@ -662,7 +667,7 @@
           <a:p>
             <a:fld id="{B70DEA2B-DC4F-4165-BE5B-D107C12D0E7E}" type="datetimeFigureOut">
               <a:rPr lang="de-DE" smtClean="0"/>
-              <a:t>04.12.2022</a:t>
+              <a:t>06.12.2022</a:t>
             </a:fld>
             <a:endParaRPr lang="de-DE"/>
           </a:p>
@@ -860,7 +865,7 @@
           <a:p>
             <a:fld id="{B70DEA2B-DC4F-4165-BE5B-D107C12D0E7E}" type="datetimeFigureOut">
               <a:rPr lang="de-DE" smtClean="0"/>
-              <a:t>04.12.2022</a:t>
+              <a:t>06.12.2022</a:t>
             </a:fld>
             <a:endParaRPr lang="de-DE"/>
           </a:p>
@@ -1135,7 +1140,7 @@
           <a:p>
             <a:fld id="{B70DEA2B-DC4F-4165-BE5B-D107C12D0E7E}" type="datetimeFigureOut">
               <a:rPr lang="de-DE" smtClean="0"/>
-              <a:t>04.12.2022</a:t>
+              <a:t>06.12.2022</a:t>
             </a:fld>
             <a:endParaRPr lang="de-DE"/>
           </a:p>
@@ -1400,7 +1405,7 @@
           <a:p>
             <a:fld id="{B70DEA2B-DC4F-4165-BE5B-D107C12D0E7E}" type="datetimeFigureOut">
               <a:rPr lang="de-DE" smtClean="0"/>
-              <a:t>04.12.2022</a:t>
+              <a:t>06.12.2022</a:t>
             </a:fld>
             <a:endParaRPr lang="de-DE"/>
           </a:p>
@@ -1812,7 +1817,7 @@
           <a:p>
             <a:fld id="{B70DEA2B-DC4F-4165-BE5B-D107C12D0E7E}" type="datetimeFigureOut">
               <a:rPr lang="de-DE" smtClean="0"/>
-              <a:t>04.12.2022</a:t>
+              <a:t>06.12.2022</a:t>
             </a:fld>
             <a:endParaRPr lang="de-DE"/>
           </a:p>
@@ -1953,7 +1958,7 @@
           <a:p>
             <a:fld id="{B70DEA2B-DC4F-4165-BE5B-D107C12D0E7E}" type="datetimeFigureOut">
               <a:rPr lang="de-DE" smtClean="0"/>
-              <a:t>04.12.2022</a:t>
+              <a:t>06.12.2022</a:t>
             </a:fld>
             <a:endParaRPr lang="de-DE"/>
           </a:p>
@@ -2066,7 +2071,7 @@
           <a:p>
             <a:fld id="{B70DEA2B-DC4F-4165-BE5B-D107C12D0E7E}" type="datetimeFigureOut">
               <a:rPr lang="de-DE" smtClean="0"/>
-              <a:t>04.12.2022</a:t>
+              <a:t>06.12.2022</a:t>
             </a:fld>
             <a:endParaRPr lang="de-DE"/>
           </a:p>
@@ -2377,7 +2382,7 @@
           <a:p>
             <a:fld id="{B70DEA2B-DC4F-4165-BE5B-D107C12D0E7E}" type="datetimeFigureOut">
               <a:rPr lang="de-DE" smtClean="0"/>
-              <a:t>04.12.2022</a:t>
+              <a:t>06.12.2022</a:t>
             </a:fld>
             <a:endParaRPr lang="de-DE"/>
           </a:p>
@@ -2665,7 +2670,7 @@
           <a:p>
             <a:fld id="{B70DEA2B-DC4F-4165-BE5B-D107C12D0E7E}" type="datetimeFigureOut">
               <a:rPr lang="de-DE" smtClean="0"/>
-              <a:t>04.12.2022</a:t>
+              <a:t>06.12.2022</a:t>
             </a:fld>
             <a:endParaRPr lang="de-DE"/>
           </a:p>
@@ -2906,7 +2911,7 @@
           <a:p>
             <a:fld id="{B70DEA2B-DC4F-4165-BE5B-D107C12D0E7E}" type="datetimeFigureOut">
               <a:rPr lang="de-DE" smtClean="0"/>
-              <a:t>04.12.2022</a:t>
+              <a:t>06.12.2022</a:t>
             </a:fld>
             <a:endParaRPr lang="de-DE"/>
           </a:p>
